--- a/Fantasy Football Regression Model - Final Presentation.pptx
+++ b/Fantasy Football Regression Model - Final Presentation.pptx
@@ -322,7 +322,7 @@
             <a:fld id="{2FE7D661-1836-44F7-8FAF-35E8F866ECD3}" type="datetime1">
               <a:rPr lang="en-US" smtClean="0"/>
               <a:pPr/>
-              <a:t>6/29/19</a:t>
+              <a:t>6/30/19</a:t>
             </a:fld>
             <a:endParaRPr lang="en-US"/>
           </a:p>
@@ -488,7 +488,7 @@
           <a:p>
             <a:fld id="{B1FF71CE-B899-4B2B-848D-9F12F0C901B6}" type="datetimeFigureOut">
               <a:rPr lang="en-US" smtClean="0"/>
-              <a:t>6/29/19</a:t>
+              <a:t>6/30/19</a:t>
             </a:fld>
             <a:endParaRPr lang="en-US"/>
           </a:p>
@@ -664,7 +664,7 @@
             <a:fld id="{102CF1CA-F464-4B29-B867-EAF8A9B936E3}" type="datetime1">
               <a:rPr lang="en-US" smtClean="0"/>
               <a:pPr/>
-              <a:t>6/29/19</a:t>
+              <a:t>6/30/19</a:t>
             </a:fld>
             <a:endParaRPr lang="en-US" dirty="0"/>
           </a:p>
@@ -831,7 +831,7 @@
             <a:fld id="{CAE6B357-51B9-47D2-A71D-0D06CB03185D}" type="datetime1">
               <a:rPr lang="en-US" smtClean="0"/>
               <a:pPr/>
-              <a:t>6/29/19</a:t>
+              <a:t>6/30/19</a:t>
             </a:fld>
             <a:endParaRPr lang="en-US"/>
           </a:p>
@@ -1072,7 +1072,7 @@
             <a:fld id="{058CB827-F132-4DF6-9FB9-4035A4C798EF}" type="datetime1">
               <a:rPr lang="en-US" smtClean="0"/>
               <a:pPr/>
-              <a:t>6/29/19</a:t>
+              <a:t>6/30/19</a:t>
             </a:fld>
             <a:endParaRPr lang="en-US"/>
           </a:p>
@@ -1164,7 +1164,7 @@
             <a:fld id="{1A92A601-7D32-4ED7-AD1A-974B6DDBDCDC}" type="datetime1">
               <a:rPr lang="en-US" smtClean="0"/>
               <a:pPr/>
-              <a:t>6/29/19</a:t>
+              <a:t>6/30/19</a:t>
             </a:fld>
             <a:endParaRPr lang="en-US"/>
           </a:p>
@@ -1540,7 +1540,7 @@
             <a:fld id="{63A17B41-4A0C-4639-A132-E5C8F99A4BE8}" type="datetime1">
               <a:rPr lang="en-US" smtClean="0"/>
               <a:pPr/>
-              <a:t>6/29/19</a:t>
+              <a:t>6/30/19</a:t>
             </a:fld>
             <a:endParaRPr lang="en-US"/>
           </a:p>
@@ -1797,7 +1797,7 @@
             <a:fld id="{BE9967FD-6084-4075-993E-77EC8038773F}" type="datetime1">
               <a:rPr lang="en-US" smtClean="0"/>
               <a:pPr/>
-              <a:t>6/29/19</a:t>
+              <a:t>6/30/19</a:t>
             </a:fld>
             <a:endParaRPr lang="en-US"/>
           </a:p>
@@ -1889,7 +1889,7 @@
             <a:fld id="{3B988B47-74BA-4873-ADAE-EB0120124E83}" type="datetime1">
               <a:rPr lang="en-US" smtClean="0"/>
               <a:pPr/>
-              <a:t>6/29/19</a:t>
+              <a:t>6/30/19</a:t>
             </a:fld>
             <a:endParaRPr lang="en-US"/>
           </a:p>
@@ -2165,7 +2165,7 @@
             <a:fld id="{93CF52C1-9A39-494C-9977-BBEFAB872C1F}" type="datetime1">
               <a:rPr lang="en-US" smtClean="0"/>
               <a:pPr/>
-              <a:t>6/29/19</a:t>
+              <a:t>6/30/19</a:t>
             </a:fld>
             <a:endParaRPr lang="en-US"/>
           </a:p>
@@ -2439,7 +2439,7 @@
             <a:fld id="{CD1EACE2-EA00-4376-9A66-47ABB8B02CF5}" type="datetime1">
               <a:rPr lang="en-US" smtClean="0"/>
               <a:pPr/>
-              <a:t>6/29/19</a:t>
+              <a:t>6/30/19</a:t>
             </a:fld>
             <a:endParaRPr lang="en-US"/>
           </a:p>
@@ -2741,7 +2741,7 @@
             <a:fld id="{DA47DADC-55EA-4839-91C8-5BCC0EC06F5C}" type="datetime1">
               <a:rPr lang="en-US" smtClean="0"/>
               <a:pPr/>
-              <a:t>6/29/19</a:t>
+              <a:t>6/30/19</a:t>
             </a:fld>
             <a:endParaRPr lang="en-US" dirty="0"/>
           </a:p>
@@ -5071,7 +5071,15 @@
             </a:r>
             <a:r>
               <a:rPr lang="en-US" dirty="0" smtClean="0"/>
-              <a:t>Yards = 2 </a:t>
+              <a:t>Yards </a:t>
+            </a:r>
+            <a:r>
+              <a:rPr lang="en-US" smtClean="0"/>
+              <a:t>= </a:t>
+            </a:r>
+            <a:r>
+              <a:rPr lang="en-US" smtClean="0"/>
+              <a:t>1 </a:t>
             </a:r>
             <a:r>
               <a:rPr lang="en-US" dirty="0" err="1" smtClean="0"/>
